--- a/6조_사진속한식조리법추천서비스계획서(이현창,김신혁,김호경,윤지혜).pptx
+++ b/6조_사진속한식조리법추천서비스계획서(이현창,김신혁,김호경,윤지혜).pptx
@@ -251,7 +251,7 @@
           <a:p>
             <a:fld id="{EB0EF032-0DF3-45BA-9D75-A33689DB9F89}" type="datetimeFigureOut">
               <a:rPr lang="ko-KR" altLang="en-US" smtClean="0"/>
-              <a:t>2020-02-12</a:t>
+              <a:t>2020-02-13</a:t>
             </a:fld>
             <a:endParaRPr lang="ko-KR" altLang="en-US"/>
           </a:p>
@@ -419,7 +419,7 @@
           <a:p>
             <a:fld id="{EB0EF032-0DF3-45BA-9D75-A33689DB9F89}" type="datetimeFigureOut">
               <a:rPr lang="ko-KR" altLang="en-US" smtClean="0"/>
-              <a:t>2020-02-12</a:t>
+              <a:t>2020-02-13</a:t>
             </a:fld>
             <a:endParaRPr lang="ko-KR" altLang="en-US"/>
           </a:p>
@@ -597,7 +597,7 @@
           <a:p>
             <a:fld id="{EB0EF032-0DF3-45BA-9D75-A33689DB9F89}" type="datetimeFigureOut">
               <a:rPr lang="ko-KR" altLang="en-US" smtClean="0"/>
-              <a:t>2020-02-12</a:t>
+              <a:t>2020-02-13</a:t>
             </a:fld>
             <a:endParaRPr lang="ko-KR" altLang="en-US"/>
           </a:p>
@@ -765,7 +765,7 @@
           <a:p>
             <a:fld id="{EB0EF032-0DF3-45BA-9D75-A33689DB9F89}" type="datetimeFigureOut">
               <a:rPr lang="ko-KR" altLang="en-US" smtClean="0"/>
-              <a:t>2020-02-12</a:t>
+              <a:t>2020-02-13</a:t>
             </a:fld>
             <a:endParaRPr lang="ko-KR" altLang="en-US"/>
           </a:p>
@@ -1010,7 +1010,7 @@
           <a:p>
             <a:fld id="{EB0EF032-0DF3-45BA-9D75-A33689DB9F89}" type="datetimeFigureOut">
               <a:rPr lang="ko-KR" altLang="en-US" smtClean="0"/>
-              <a:t>2020-02-12</a:t>
+              <a:t>2020-02-13</a:t>
             </a:fld>
             <a:endParaRPr lang="ko-KR" altLang="en-US"/>
           </a:p>
@@ -1239,7 +1239,7 @@
           <a:p>
             <a:fld id="{EB0EF032-0DF3-45BA-9D75-A33689DB9F89}" type="datetimeFigureOut">
               <a:rPr lang="ko-KR" altLang="en-US" smtClean="0"/>
-              <a:t>2020-02-12</a:t>
+              <a:t>2020-02-13</a:t>
             </a:fld>
             <a:endParaRPr lang="ko-KR" altLang="en-US"/>
           </a:p>
@@ -1603,7 +1603,7 @@
           <a:p>
             <a:fld id="{EB0EF032-0DF3-45BA-9D75-A33689DB9F89}" type="datetimeFigureOut">
               <a:rPr lang="ko-KR" altLang="en-US" smtClean="0"/>
-              <a:t>2020-02-12</a:t>
+              <a:t>2020-02-13</a:t>
             </a:fld>
             <a:endParaRPr lang="ko-KR" altLang="en-US"/>
           </a:p>
@@ -1720,7 +1720,7 @@
           <a:p>
             <a:fld id="{EB0EF032-0DF3-45BA-9D75-A33689DB9F89}" type="datetimeFigureOut">
               <a:rPr lang="ko-KR" altLang="en-US" smtClean="0"/>
-              <a:t>2020-02-12</a:t>
+              <a:t>2020-02-13</a:t>
             </a:fld>
             <a:endParaRPr lang="ko-KR" altLang="en-US"/>
           </a:p>
@@ -1815,7 +1815,7 @@
           <a:p>
             <a:fld id="{EB0EF032-0DF3-45BA-9D75-A33689DB9F89}" type="datetimeFigureOut">
               <a:rPr lang="ko-KR" altLang="en-US" smtClean="0"/>
-              <a:t>2020-02-12</a:t>
+              <a:t>2020-02-13</a:t>
             </a:fld>
             <a:endParaRPr lang="ko-KR" altLang="en-US"/>
           </a:p>
@@ -2090,7 +2090,7 @@
           <a:p>
             <a:fld id="{EB0EF032-0DF3-45BA-9D75-A33689DB9F89}" type="datetimeFigureOut">
               <a:rPr lang="ko-KR" altLang="en-US" smtClean="0"/>
-              <a:t>2020-02-12</a:t>
+              <a:t>2020-02-13</a:t>
             </a:fld>
             <a:endParaRPr lang="ko-KR" altLang="en-US"/>
           </a:p>
@@ -2342,7 +2342,7 @@
           <a:p>
             <a:fld id="{EB0EF032-0DF3-45BA-9D75-A33689DB9F89}" type="datetimeFigureOut">
               <a:rPr lang="ko-KR" altLang="en-US" smtClean="0"/>
-              <a:t>2020-02-12</a:t>
+              <a:t>2020-02-13</a:t>
             </a:fld>
             <a:endParaRPr lang="ko-KR" altLang="en-US"/>
           </a:p>
@@ -2553,7 +2553,7 @@
           <a:p>
             <a:fld id="{EB0EF032-0DF3-45BA-9D75-A33689DB9F89}" type="datetimeFigureOut">
               <a:rPr lang="ko-KR" altLang="en-US" smtClean="0"/>
-              <a:t>2020-02-12</a:t>
+              <a:t>2020-02-13</a:t>
             </a:fld>
             <a:endParaRPr lang="ko-KR" altLang="en-US"/>
           </a:p>
@@ -4010,36 +4010,6 @@
           </a:p>
         </p:txBody>
       </p:sp>
-      <p:pic>
-        <p:nvPicPr>
-          <p:cNvPr id="5" name="그림 4">
-            <a:extLst>
-              <a:ext uri="{FF2B5EF4-FFF2-40B4-BE49-F238E27FC236}">
-                <a16:creationId xmlns:a16="http://schemas.microsoft.com/office/drawing/2014/main" id="{9468D465-E6C2-4359-86D8-9E95FC30B535}"/>
-              </a:ext>
-            </a:extLst>
-          </p:cNvPr>
-          <p:cNvPicPr>
-            <a:picLocks noChangeAspect="1"/>
-          </p:cNvPicPr>
-          <p:nvPr/>
-        </p:nvPicPr>
-        <p:blipFill>
-          <a:blip r:embed="rId3"/>
-          <a:stretch>
-            <a:fillRect/>
-          </a:stretch>
-        </p:blipFill>
-        <p:spPr>
-          <a:xfrm>
-            <a:off x="6556804" y="1386336"/>
-            <a:ext cx="5088014" cy="5147461"/>
-          </a:xfrm>
-          <a:prstGeom prst="rect">
-            <a:avLst/>
-          </a:prstGeom>
-        </p:spPr>
-      </p:pic>
       <p:sp>
         <p:nvSpPr>
           <p:cNvPr id="2" name="TextBox 1">
@@ -4054,8 +4024,8 @@
         </p:nvSpPr>
         <p:spPr>
           <a:xfrm>
-            <a:off x="0" y="2593571"/>
-            <a:ext cx="11694693" cy="2831544"/>
+            <a:off x="0" y="1549775"/>
+            <a:ext cx="11694693" cy="5047536"/>
           </a:xfrm>
           <a:prstGeom prst="rect">
             <a:avLst/>
@@ -4121,6 +4091,45 @@
               <a:buFont typeface="Wingdings" panose="05000000000000000000" pitchFamily="2" charset="2"/>
               <a:buChar char="§"/>
             </a:pPr>
+            <a:endParaRPr lang="en-US" altLang="ko-KR" sz="3200" spc="-150" dirty="0">
+              <a:latin typeface="나눔스퀘어 ExtraBold" panose="020B0600000101010101" pitchFamily="50" charset="-127"/>
+              <a:ea typeface="나눔스퀘어 ExtraBold" panose="020B0600000101010101" pitchFamily="50" charset="-127"/>
+            </a:endParaRPr>
+          </a:p>
+          <a:p>
+            <a:pPr marL="457200" indent="-457200">
+              <a:lnSpc>
+                <a:spcPct val="150000"/>
+              </a:lnSpc>
+              <a:buFont typeface="Wingdings" panose="05000000000000000000" pitchFamily="2" charset="2"/>
+              <a:buChar char="§"/>
+            </a:pPr>
+            <a:endParaRPr lang="en-US" altLang="ko-KR" sz="3200" spc="-150" dirty="0">
+              <a:latin typeface="나눔스퀘어 ExtraBold" panose="020B0600000101010101" pitchFamily="50" charset="-127"/>
+              <a:ea typeface="나눔스퀘어 ExtraBold" panose="020B0600000101010101" pitchFamily="50" charset="-127"/>
+            </a:endParaRPr>
+          </a:p>
+          <a:p>
+            <a:pPr marL="457200" indent="-457200">
+              <a:lnSpc>
+                <a:spcPct val="150000"/>
+              </a:lnSpc>
+              <a:buFont typeface="Wingdings" panose="05000000000000000000" pitchFamily="2" charset="2"/>
+              <a:buChar char="§"/>
+            </a:pPr>
+            <a:endParaRPr lang="en-US" altLang="ko-KR" sz="3200" spc="-150" dirty="0">
+              <a:latin typeface="나눔스퀘어 ExtraBold" panose="020B0600000101010101" pitchFamily="50" charset="-127"/>
+              <a:ea typeface="나눔스퀘어 ExtraBold" panose="020B0600000101010101" pitchFamily="50" charset="-127"/>
+            </a:endParaRPr>
+          </a:p>
+          <a:p>
+            <a:pPr marL="457200" indent="-457200">
+              <a:lnSpc>
+                <a:spcPct val="150000"/>
+              </a:lnSpc>
+              <a:buFont typeface="Wingdings" panose="05000000000000000000" pitchFamily="2" charset="2"/>
+              <a:buChar char="§"/>
+            </a:pPr>
             <a:r>
               <a:rPr lang="ko-KR" altLang="en-US" sz="3200" spc="-150" dirty="0">
                 <a:latin typeface="나눔스퀘어 ExtraBold" panose="020B0600000101010101" pitchFamily="50" charset="-127"/>
@@ -4199,6 +4208,114 @@
           </a:p>
         </p:txBody>
       </p:sp>
+      <p:pic>
+        <p:nvPicPr>
+          <p:cNvPr id="4" name="그림 3">
+            <a:extLst>
+              <a:ext uri="{FF2B5EF4-FFF2-40B4-BE49-F238E27FC236}">
+                <a16:creationId xmlns:a16="http://schemas.microsoft.com/office/drawing/2014/main" id="{E693FB43-2842-4AAF-BE49-9403BA0FDE3A}"/>
+              </a:ext>
+            </a:extLst>
+          </p:cNvPr>
+          <p:cNvPicPr>
+            <a:picLocks noChangeAspect="1"/>
+          </p:cNvPicPr>
+          <p:nvPr/>
+        </p:nvPicPr>
+        <p:blipFill>
+          <a:blip r:embed="rId3">
+            <a:extLst>
+              <a:ext uri="{28A0092B-C50C-407E-A947-70E740481C1C}">
+                <a14:useLocalDpi xmlns:a14="http://schemas.microsoft.com/office/drawing/2010/main" val="0"/>
+              </a:ext>
+            </a:extLst>
+          </a:blip>
+          <a:stretch>
+            <a:fillRect/>
+          </a:stretch>
+        </p:blipFill>
+        <p:spPr>
+          <a:xfrm>
+            <a:off x="1189728" y="2261582"/>
+            <a:ext cx="2046617" cy="2046617"/>
+          </a:xfrm>
+          <a:prstGeom prst="rect">
+            <a:avLst/>
+          </a:prstGeom>
+        </p:spPr>
+      </p:pic>
+      <p:pic>
+        <p:nvPicPr>
+          <p:cNvPr id="8" name="그림 7">
+            <a:extLst>
+              <a:ext uri="{FF2B5EF4-FFF2-40B4-BE49-F238E27FC236}">
+                <a16:creationId xmlns:a16="http://schemas.microsoft.com/office/drawing/2014/main" id="{F9A07FFD-930A-4F79-9209-15B92DA92932}"/>
+              </a:ext>
+            </a:extLst>
+          </p:cNvPr>
+          <p:cNvPicPr>
+            <a:picLocks noChangeAspect="1"/>
+          </p:cNvPicPr>
+          <p:nvPr/>
+        </p:nvPicPr>
+        <p:blipFill>
+          <a:blip r:embed="rId4" cstate="print">
+            <a:extLst>
+              <a:ext uri="{28A0092B-C50C-407E-A947-70E740481C1C}">
+                <a14:useLocalDpi xmlns:a14="http://schemas.microsoft.com/office/drawing/2010/main" val="0"/>
+              </a:ext>
+            </a:extLst>
+          </a:blip>
+          <a:stretch>
+            <a:fillRect/>
+          </a:stretch>
+        </p:blipFill>
+        <p:spPr>
+          <a:xfrm>
+            <a:off x="4118895" y="2261582"/>
+            <a:ext cx="1977105" cy="2265762"/>
+          </a:xfrm>
+          <a:prstGeom prst="rect">
+            <a:avLst/>
+          </a:prstGeom>
+        </p:spPr>
+      </p:pic>
+      <p:pic>
+        <p:nvPicPr>
+          <p:cNvPr id="11" name="그림 10">
+            <a:extLst>
+              <a:ext uri="{FF2B5EF4-FFF2-40B4-BE49-F238E27FC236}">
+                <a16:creationId xmlns:a16="http://schemas.microsoft.com/office/drawing/2014/main" id="{39C43D81-CD9C-4831-8EE0-9CDB4CD6D9E1}"/>
+              </a:ext>
+            </a:extLst>
+          </p:cNvPr>
+          <p:cNvPicPr>
+            <a:picLocks noChangeAspect="1"/>
+          </p:cNvPicPr>
+          <p:nvPr/>
+        </p:nvPicPr>
+        <p:blipFill>
+          <a:blip r:embed="rId5">
+            <a:extLst>
+              <a:ext uri="{28A0092B-C50C-407E-A947-70E740481C1C}">
+                <a14:useLocalDpi xmlns:a14="http://schemas.microsoft.com/office/drawing/2010/main" val="0"/>
+              </a:ext>
+            </a:extLst>
+          </a:blip>
+          <a:stretch>
+            <a:fillRect/>
+          </a:stretch>
+        </p:blipFill>
+        <p:spPr>
+          <a:xfrm>
+            <a:off x="6794509" y="2138323"/>
+            <a:ext cx="2365001" cy="2534888"/>
+          </a:xfrm>
+          <a:prstGeom prst="rect">
+            <a:avLst/>
+          </a:prstGeom>
+        </p:spPr>
+      </p:pic>
     </p:spTree>
     <p:extLst>
       <p:ext uri="{BB962C8B-B14F-4D97-AF65-F5344CB8AC3E}">
@@ -4349,7 +4466,7 @@
         </p:nvSpPr>
         <p:spPr>
           <a:xfrm>
-            <a:off x="0" y="2377440"/>
+            <a:off x="1" y="1593114"/>
             <a:ext cx="11694693" cy="2585323"/>
           </a:xfrm>
           <a:prstGeom prst="rect">
@@ -4480,6 +4597,114 @@
           </a:p>
         </p:txBody>
       </p:sp>
+      <p:pic>
+        <p:nvPicPr>
+          <p:cNvPr id="5" name="그림 4">
+            <a:extLst>
+              <a:ext uri="{FF2B5EF4-FFF2-40B4-BE49-F238E27FC236}">
+                <a16:creationId xmlns:a16="http://schemas.microsoft.com/office/drawing/2014/main" id="{56BD8905-D9BA-4FC2-835E-1E93270E920D}"/>
+              </a:ext>
+            </a:extLst>
+          </p:cNvPr>
+          <p:cNvPicPr>
+            <a:picLocks noChangeAspect="1"/>
+          </p:cNvPicPr>
+          <p:nvPr/>
+        </p:nvPicPr>
+        <p:blipFill>
+          <a:blip r:embed="rId3">
+            <a:extLst>
+              <a:ext uri="{28A0092B-C50C-407E-A947-70E740481C1C}">
+                <a14:useLocalDpi xmlns:a14="http://schemas.microsoft.com/office/drawing/2010/main" val="0"/>
+              </a:ext>
+            </a:extLst>
+          </a:blip>
+          <a:stretch>
+            <a:fillRect/>
+          </a:stretch>
+        </p:blipFill>
+        <p:spPr>
+          <a:xfrm>
+            <a:off x="497306" y="4051086"/>
+            <a:ext cx="4131382" cy="2101362"/>
+          </a:xfrm>
+          <a:prstGeom prst="rect">
+            <a:avLst/>
+          </a:prstGeom>
+        </p:spPr>
+      </p:pic>
+      <p:pic>
+        <p:nvPicPr>
+          <p:cNvPr id="7" name="그림 6">
+            <a:extLst>
+              <a:ext uri="{FF2B5EF4-FFF2-40B4-BE49-F238E27FC236}">
+                <a16:creationId xmlns:a16="http://schemas.microsoft.com/office/drawing/2014/main" id="{0CC5666A-1959-4321-867F-E7A539DFD18F}"/>
+              </a:ext>
+            </a:extLst>
+          </p:cNvPr>
+          <p:cNvPicPr>
+            <a:picLocks noChangeAspect="1"/>
+          </p:cNvPicPr>
+          <p:nvPr/>
+        </p:nvPicPr>
+        <p:blipFill>
+          <a:blip r:embed="rId4">
+            <a:extLst>
+              <a:ext uri="{28A0092B-C50C-407E-A947-70E740481C1C}">
+                <a14:useLocalDpi xmlns:a14="http://schemas.microsoft.com/office/drawing/2010/main" val="0"/>
+              </a:ext>
+            </a:extLst>
+          </a:blip>
+          <a:stretch>
+            <a:fillRect/>
+          </a:stretch>
+        </p:blipFill>
+        <p:spPr>
+          <a:xfrm>
+            <a:off x="4715295" y="3927838"/>
+            <a:ext cx="3446396" cy="2347857"/>
+          </a:xfrm>
+          <a:prstGeom prst="rect">
+            <a:avLst/>
+          </a:prstGeom>
+        </p:spPr>
+      </p:pic>
+      <p:pic>
+        <p:nvPicPr>
+          <p:cNvPr id="8" name="그림 7">
+            <a:extLst>
+              <a:ext uri="{FF2B5EF4-FFF2-40B4-BE49-F238E27FC236}">
+                <a16:creationId xmlns:a16="http://schemas.microsoft.com/office/drawing/2014/main" id="{99C6F0F9-42D7-490E-BEBA-2E757E256794}"/>
+              </a:ext>
+            </a:extLst>
+          </p:cNvPr>
+          <p:cNvPicPr>
+            <a:picLocks noChangeAspect="1"/>
+          </p:cNvPicPr>
+          <p:nvPr/>
+        </p:nvPicPr>
+        <p:blipFill>
+          <a:blip r:embed="rId5">
+            <a:extLst>
+              <a:ext uri="{28A0092B-C50C-407E-A947-70E740481C1C}">
+                <a14:useLocalDpi xmlns:a14="http://schemas.microsoft.com/office/drawing/2010/main" val="0"/>
+              </a:ext>
+            </a:extLst>
+          </a:blip>
+          <a:stretch>
+            <a:fillRect/>
+          </a:stretch>
+        </p:blipFill>
+        <p:spPr>
+          <a:xfrm>
+            <a:off x="8413506" y="3927838"/>
+            <a:ext cx="3029373" cy="2248214"/>
+          </a:xfrm>
+          <a:prstGeom prst="rect">
+            <a:avLst/>
+          </a:prstGeom>
+        </p:spPr>
+      </p:pic>
     </p:spTree>
     <p:extLst>
       <p:ext uri="{BB962C8B-B14F-4D97-AF65-F5344CB8AC3E}">
@@ -4616,6 +4841,36 @@
           </a:p>
         </p:txBody>
       </p:sp>
+      <p:pic>
+        <p:nvPicPr>
+          <p:cNvPr id="11" name="그림 10">
+            <a:extLst>
+              <a:ext uri="{FF2B5EF4-FFF2-40B4-BE49-F238E27FC236}">
+                <a16:creationId xmlns:a16="http://schemas.microsoft.com/office/drawing/2014/main" id="{89A6DAAC-1CA5-4EC0-A726-4812EE6656C2}"/>
+              </a:ext>
+            </a:extLst>
+          </p:cNvPr>
+          <p:cNvPicPr>
+            <a:picLocks noChangeAspect="1"/>
+          </p:cNvPicPr>
+          <p:nvPr/>
+        </p:nvPicPr>
+        <p:blipFill>
+          <a:blip r:embed="rId3"/>
+          <a:stretch>
+            <a:fillRect/>
+          </a:stretch>
+        </p:blipFill>
+        <p:spPr>
+          <a:xfrm>
+            <a:off x="6539551" y="1180463"/>
+            <a:ext cx="5088014" cy="5147461"/>
+          </a:xfrm>
+          <a:prstGeom prst="rect">
+            <a:avLst/>
+          </a:prstGeom>
+        </p:spPr>
+      </p:pic>
       <p:sp>
         <p:nvSpPr>
           <p:cNvPr id="2" name="TextBox 1">
@@ -4762,114 +5017,6 @@
           </a:p>
         </p:txBody>
       </p:sp>
-      <p:pic>
-        <p:nvPicPr>
-          <p:cNvPr id="4" name="그림 3">
-            <a:extLst>
-              <a:ext uri="{FF2B5EF4-FFF2-40B4-BE49-F238E27FC236}">
-                <a16:creationId xmlns:a16="http://schemas.microsoft.com/office/drawing/2014/main" id="{024F7105-FC90-459C-8631-1D022E95433C}"/>
-              </a:ext>
-            </a:extLst>
-          </p:cNvPr>
-          <p:cNvPicPr>
-            <a:picLocks noChangeAspect="1"/>
-          </p:cNvPicPr>
-          <p:nvPr/>
-        </p:nvPicPr>
-        <p:blipFill>
-          <a:blip r:embed="rId3">
-            <a:extLst>
-              <a:ext uri="{28A0092B-C50C-407E-A947-70E740481C1C}">
-                <a14:useLocalDpi xmlns:a14="http://schemas.microsoft.com/office/drawing/2010/main" val="0"/>
-              </a:ext>
-            </a:extLst>
-          </a:blip>
-          <a:stretch>
-            <a:fillRect/>
-          </a:stretch>
-        </p:blipFill>
-        <p:spPr>
-          <a:xfrm>
-            <a:off x="7977010" y="4148116"/>
-            <a:ext cx="3029373" cy="2248214"/>
-          </a:xfrm>
-          <a:prstGeom prst="rect">
-            <a:avLst/>
-          </a:prstGeom>
-        </p:spPr>
-      </p:pic>
-      <p:pic>
-        <p:nvPicPr>
-          <p:cNvPr id="8" name="그림 7">
-            <a:extLst>
-              <a:ext uri="{FF2B5EF4-FFF2-40B4-BE49-F238E27FC236}">
-                <a16:creationId xmlns:a16="http://schemas.microsoft.com/office/drawing/2014/main" id="{DD0C39C6-D071-46CC-BA8C-69AC0A3459D3}"/>
-              </a:ext>
-            </a:extLst>
-          </p:cNvPr>
-          <p:cNvPicPr>
-            <a:picLocks noChangeAspect="1"/>
-          </p:cNvPicPr>
-          <p:nvPr/>
-        </p:nvPicPr>
-        <p:blipFill>
-          <a:blip r:embed="rId4">
-            <a:extLst>
-              <a:ext uri="{28A0092B-C50C-407E-A947-70E740481C1C}">
-                <a14:useLocalDpi xmlns:a14="http://schemas.microsoft.com/office/drawing/2010/main" val="0"/>
-              </a:ext>
-            </a:extLst>
-          </a:blip>
-          <a:stretch>
-            <a:fillRect/>
-          </a:stretch>
-        </p:blipFill>
-        <p:spPr>
-          <a:xfrm>
-            <a:off x="4372802" y="4068757"/>
-            <a:ext cx="3446396" cy="2347857"/>
-          </a:xfrm>
-          <a:prstGeom prst="rect">
-            <a:avLst/>
-          </a:prstGeom>
-        </p:spPr>
-      </p:pic>
-      <p:pic>
-        <p:nvPicPr>
-          <p:cNvPr id="10" name="그림 9">
-            <a:extLst>
-              <a:ext uri="{FF2B5EF4-FFF2-40B4-BE49-F238E27FC236}">
-                <a16:creationId xmlns:a16="http://schemas.microsoft.com/office/drawing/2014/main" id="{CE3BA8C3-969B-4C14-8923-31997FD87D16}"/>
-              </a:ext>
-            </a:extLst>
-          </p:cNvPr>
-          <p:cNvPicPr>
-            <a:picLocks noChangeAspect="1"/>
-          </p:cNvPicPr>
-          <p:nvPr/>
-        </p:nvPicPr>
-        <p:blipFill>
-          <a:blip r:embed="rId5">
-            <a:extLst>
-              <a:ext uri="{28A0092B-C50C-407E-A947-70E740481C1C}">
-                <a14:useLocalDpi xmlns:a14="http://schemas.microsoft.com/office/drawing/2010/main" val="0"/>
-              </a:ext>
-            </a:extLst>
-          </a:blip>
-          <a:stretch>
-            <a:fillRect/>
-          </a:stretch>
-        </p:blipFill>
-        <p:spPr>
-          <a:xfrm>
-            <a:off x="120710" y="4315252"/>
-            <a:ext cx="4131382" cy="2101362"/>
-          </a:xfrm>
-          <a:prstGeom prst="rect">
-            <a:avLst/>
-          </a:prstGeom>
-        </p:spPr>
-      </p:pic>
     </p:spTree>
     <p:extLst>
       <p:ext uri="{BB962C8B-B14F-4D97-AF65-F5344CB8AC3E}">
